--- a/Lecture slides/NYT B01 - How to Summarize_.pptx
+++ b/Lecture slides/NYT B01 - How to Summarize_.pptx
@@ -1714,7 +1714,7 @@
       </p:grpSpPr>
       <p:sp>
         <p:nvSpPr>
-          <p:cNvPr id="161" name="Google Shape;161;gf5a950148e_0_0:notes"/>
+          <p:cNvPr id="161" name="Google Shape;161;g239571bf2ad_0_38:notes"/>
           <p:cNvSpPr/>
           <p:nvPr>
             <p:ph idx="2" type="sldImg"/>
@@ -1749,7 +1749,7 @@
       </p:sp>
       <p:sp>
         <p:nvSpPr>
-          <p:cNvPr id="162" name="Google Shape;162;gf5a950148e_0_0:notes"/>
+          <p:cNvPr id="162" name="Google Shape;162;g239571bf2ad_0_38:notes"/>
           <p:cNvSpPr txBox="1"/>
           <p:nvPr>
             <p:ph idx="1" type="body"/>
@@ -1898,7 +1898,7 @@
   <p:cSld>
     <p:spTree>
       <p:nvGrpSpPr>
-        <p:cNvPr id="167" name="Shape 167"/>
+        <p:cNvPr id="166" name="Shape 166"/>
         <p:cNvGrpSpPr/>
         <p:nvPr/>
       </p:nvGrpSpPr>
@@ -1912,7 +1912,7 @@
       </p:grpSpPr>
       <p:sp>
         <p:nvSpPr>
-          <p:cNvPr id="168" name="Google Shape;168;gf5a950148e_0_6:notes"/>
+          <p:cNvPr id="167" name="Google Shape;167;g239571bf2ad_0_43:notes"/>
           <p:cNvSpPr/>
           <p:nvPr>
             <p:ph idx="2" type="sldImg"/>
@@ -1947,7 +1947,7 @@
       </p:sp>
       <p:sp>
         <p:nvSpPr>
-          <p:cNvPr id="169" name="Google Shape;169;gf5a950148e_0_6:notes"/>
+          <p:cNvPr id="168" name="Google Shape;168;g239571bf2ad_0_43:notes"/>
           <p:cNvSpPr txBox="1"/>
           <p:nvPr>
             <p:ph idx="1" type="body"/>
@@ -3002,7 +3002,7 @@
             <a:avLst/>
           </a:prstGeom>
           <a:solidFill>
-            <a:schemeClr val="accent1"/>
+            <a:schemeClr val="accent5"/>
           </a:solidFill>
           <a:ln>
             <a:noFill/>
@@ -3195,7 +3195,7 @@
             <a:avLst/>
           </a:prstGeom>
           <a:solidFill>
-            <a:schemeClr val="accent1"/>
+            <a:schemeClr val="accent5"/>
           </a:solidFill>
           <a:ln>
             <a:noFill/>
@@ -3659,7 +3659,7 @@
             <a:avLst/>
           </a:prstGeom>
           <a:solidFill>
-            <a:schemeClr val="accent1"/>
+            <a:schemeClr val="accent5"/>
           </a:solidFill>
           <a:ln>
             <a:noFill/>
@@ -4251,7 +4251,7 @@
             <a:avLst/>
           </a:prstGeom>
           <a:solidFill>
-            <a:schemeClr val="accent1"/>
+            <a:schemeClr val="accent5"/>
           </a:solidFill>
           <a:ln>
             <a:noFill/>
@@ -4590,7 +4590,7 @@
             <a:avLst/>
           </a:prstGeom>
           <a:solidFill>
-            <a:schemeClr val="accent1"/>
+            <a:schemeClr val="accent5"/>
           </a:solidFill>
           <a:ln>
             <a:noFill/>
@@ -9130,25 +9130,25 @@
           <p:cNvPr id="164" name="Google Shape;164;p26"/>
           <p:cNvSpPr txBox="1"/>
           <p:nvPr>
-            <p:ph type="title"/>
+            <p:ph type="ctrTitle"/>
           </p:nvPr>
         </p:nvSpPr>
         <p:spPr>
           <a:xfrm>
             <a:off x="0" y="0"/>
-            <a:ext cx="9144000" cy="685800"/>
+            <a:ext cx="9144000" cy="2388900"/>
           </a:xfrm>
           <a:prstGeom prst="rect">
             <a:avLst/>
           </a:prstGeom>
         </p:spPr>
         <p:txBody>
-          <a:bodyPr anchorCtr="0" anchor="ctr" bIns="91425" lIns="274300" spcFirstLastPara="1" rIns="91425" wrap="square" tIns="91425">
+          <a:bodyPr anchorCtr="0" anchor="b" bIns="274300" lIns="91425" spcFirstLastPara="1" rIns="91425" wrap="square" tIns="91425">
             <a:noAutofit/>
           </a:bodyPr>
           <a:lstStyle/>
           <a:p>
-            <a:pPr indent="0" lvl="0" marL="0" rtl="0" algn="l">
+            <a:pPr indent="0" lvl="0" marL="0" rtl="0" algn="ctr">
               <a:spcBef>
                 <a:spcPts val="0"/>
               </a:spcBef>
@@ -9170,25 +9170,25 @@
           <p:cNvPr id="165" name="Google Shape;165;p26"/>
           <p:cNvSpPr txBox="1"/>
           <p:nvPr>
-            <p:ph idx="1" type="body"/>
+            <p:ph idx="1" type="subTitle"/>
           </p:nvPr>
         </p:nvSpPr>
         <p:spPr>
           <a:xfrm>
-            <a:off x="274320" y="914400"/>
-            <a:ext cx="8595300" cy="4114800"/>
+            <a:off x="0" y="2569475"/>
+            <a:ext cx="9144000" cy="2574000"/>
           </a:xfrm>
           <a:prstGeom prst="rect">
             <a:avLst/>
           </a:prstGeom>
         </p:spPr>
         <p:txBody>
-          <a:bodyPr anchorCtr="0" anchor="t" bIns="0" lIns="0" spcFirstLastPara="1" rIns="0" wrap="square" tIns="0">
+          <a:bodyPr anchorCtr="0" anchor="t" bIns="91425" lIns="91425" spcFirstLastPara="1" rIns="91425" wrap="square" tIns="274300">
             <a:noAutofit/>
           </a:bodyPr>
           <a:lstStyle/>
           <a:p>
-            <a:pPr indent="0" lvl="0" marL="0" rtl="0" algn="l">
+            <a:pPr indent="0" lvl="0" marL="0" rtl="0" algn="ctr">
               <a:lnSpc>
                 <a:spcPct val="150000"/>
               </a:lnSpc>
@@ -9233,15 +9233,15 @@
             <a:endParaRPr/>
           </a:p>
           <a:p>
-            <a:pPr indent="0" lvl="0" marL="0" rtl="0" algn="l">
+            <a:pPr indent="0" lvl="0" marL="0" rtl="0" algn="ctr">
               <a:lnSpc>
                 <a:spcPct val="150000"/>
               </a:lnSpc>
               <a:spcBef>
-                <a:spcPts val="1200"/>
-              </a:spcBef>
-              <a:spcAft>
-                <a:spcPts val="1200"/>
+                <a:spcPts val="0"/>
+              </a:spcBef>
+              <a:spcAft>
+                <a:spcPts val="0"/>
               </a:spcAft>
               <a:buNone/>
             </a:pPr>
@@ -9281,79 +9281,6 @@
               <a:t>@dirkriehle</a:t>
             </a:r>
             <a:endParaRPr sz="2400"/>
-          </a:p>
-        </p:txBody>
-      </p:sp>
-      <p:sp>
-        <p:nvSpPr>
-          <p:cNvPr id="166" name="Google Shape;166;p26"/>
-          <p:cNvSpPr txBox="1"/>
-          <p:nvPr>
-            <p:ph idx="12" type="sldNum"/>
-          </p:nvPr>
-        </p:nvSpPr>
-        <p:spPr>
-          <a:xfrm>
-            <a:off x="7315202" y="4416550"/>
-            <a:ext cx="1828800" cy="731400"/>
-          </a:xfrm>
-          <a:prstGeom prst="rect">
-            <a:avLst/>
-          </a:prstGeom>
-        </p:spPr>
-        <p:txBody>
-          <a:bodyPr anchorCtr="0" anchor="b" bIns="91425" lIns="91425" spcFirstLastPara="1" rIns="91425" wrap="square" tIns="91425">
-            <a:noAutofit/>
-          </a:bodyPr>
-          <a:lstStyle/>
-          <a:p>
-            <a:pPr indent="0" lvl="0" marL="0" rtl="0" algn="r">
-              <a:spcBef>
-                <a:spcPts val="0"/>
-              </a:spcBef>
-              <a:spcAft>
-                <a:spcPts val="0"/>
-              </a:spcAft>
-              <a:buNone/>
-            </a:pPr>
-            <a:fld id="{00000000-1234-1234-1234-123412341234}" type="slidenum">
-              <a:rPr lang="en"/>
-              <a:t>‹#›</a:t>
-            </a:fld>
-            <a:endParaRPr/>
-          </a:p>
-          <a:p>
-            <a:pPr indent="0" lvl="0" marL="0" rtl="0" algn="r">
-              <a:spcBef>
-                <a:spcPts val="0"/>
-              </a:spcBef>
-              <a:spcAft>
-                <a:spcPts val="0"/>
-              </a:spcAft>
-              <a:buNone/>
-            </a:pPr>
-            <a:r>
-              <a:rPr b="0" lang="en" sz="900" u="sng">
-                <a:solidFill>
-                  <a:schemeClr val="hlink"/>
-                </a:solidFill>
-                <a:hlinkClick r:id="rId8"/>
-              </a:rPr>
-              <a:t>https://profriehle.com</a:t>
-            </a:r>
-            <a:r>
-              <a:rPr b="0" lang="en" sz="900">
-                <a:solidFill>
-                  <a:schemeClr val="dk2"/>
-                </a:solidFill>
-              </a:rPr>
-              <a:t> </a:t>
-            </a:r>
-            <a:endParaRPr b="0" sz="900">
-              <a:solidFill>
-                <a:schemeClr val="dk2"/>
-              </a:solidFill>
-            </a:endParaRPr>
           </a:p>
         </p:txBody>
       </p:sp>
@@ -9587,7 +9514,7 @@
   <p:cSld>
     <p:spTree>
       <p:nvGrpSpPr>
-        <p:cNvPr id="170" name="Shape 170"/>
+        <p:cNvPr id="169" name="Shape 169"/>
         <p:cNvGrpSpPr/>
         <p:nvPr/>
       </p:nvGrpSpPr>
@@ -9601,7 +9528,7 @@
       </p:grpSpPr>
       <p:sp>
         <p:nvSpPr>
-          <p:cNvPr id="171" name="Google Shape;171;p27"/>
+          <p:cNvPr id="170" name="Google Shape;170;p27"/>
           <p:cNvSpPr txBox="1"/>
           <p:nvPr>
             <p:ph type="title"/>
@@ -9641,7 +9568,7 @@
       </p:sp>
       <p:sp>
         <p:nvSpPr>
-          <p:cNvPr id="172" name="Google Shape;172;p27"/>
+          <p:cNvPr id="171" name="Google Shape;171;p27"/>
           <p:cNvSpPr txBox="1"/>
           <p:nvPr>
             <p:ph idx="12" type="sldNum"/>
@@ -9714,7 +9641,7 @@
       </p:sp>
       <p:sp>
         <p:nvSpPr>
-          <p:cNvPr id="173" name="Google Shape;173;p27"/>
+          <p:cNvPr id="172" name="Google Shape;172;p27"/>
           <p:cNvSpPr txBox="1"/>
           <p:nvPr>
             <p:ph idx="1" type="body"/>
@@ -12799,28 +12726,28 @@
         <a:srgbClr val="FFFFFF"/>
       </a:lt1>
       <a:dk2>
-        <a:srgbClr val="808080"/>
+        <a:srgbClr val="404040"/>
       </a:dk2>
       <a:lt2>
-        <a:srgbClr val="DCDCDC"/>
+        <a:srgbClr val="808080"/>
       </a:lt2>
       <a:accent1>
-        <a:srgbClr val="4CAF50"/>
+        <a:srgbClr val="D0D0D0"/>
       </a:accent1>
       <a:accent2>
-        <a:srgbClr val="1E90FF"/>
+        <a:srgbClr val="4169E1"/>
       </a:accent2>
       <a:accent3>
-        <a:srgbClr val="FF0000"/>
+        <a:srgbClr val="D50D01"/>
       </a:accent3>
       <a:accent4>
-        <a:srgbClr val="424242"/>
+        <a:srgbClr val="FEB612"/>
       </a:accent4>
       <a:accent5>
-        <a:srgbClr val="D9D9D9"/>
+        <a:srgbClr val="4CAF50"/>
       </a:accent5>
       <a:accent6>
-        <a:srgbClr val="D9D9D9"/>
+        <a:srgbClr val="8E44AD"/>
       </a:accent6>
       <a:hlink>
         <a:srgbClr val="34A3C5"/>
